--- a/Project.pptx
+++ b/Project.pptx
@@ -11,6 +11,7 @@
     <p:sldId id="263" r:id="rId5"/>
     <p:sldId id="257" r:id="rId6"/>
     <p:sldId id="264" r:id="rId7"/>
+    <p:sldId id="265" r:id="rId8"/>
   </p:sldIdLst>
   <p:sldSz cx="9144000" cy="6858000" type="screen4x3"/>
   <p:notesSz cx="6858000" cy="9144000"/>
@@ -339,7 +340,7 @@
             <a:fld id="{1D8BD707-D9CF-40AE-B4C6-C98DA3205C09}" type="datetimeFigureOut">
               <a:rPr lang="en-US" smtClean="0"/>
               <a:pPr/>
-              <a:t>3/19/2017</a:t>
+              <a:t>3/20/2017</a:t>
             </a:fld>
             <a:endParaRPr lang="en-US"/>
           </a:p>
@@ -527,7 +528,7 @@
             <a:fld id="{1D8BD707-D9CF-40AE-B4C6-C98DA3205C09}" type="datetimeFigureOut">
               <a:rPr lang="en-US" smtClean="0"/>
               <a:pPr/>
-              <a:t>3/19/2017</a:t>
+              <a:t>3/20/2017</a:t>
             </a:fld>
             <a:endParaRPr lang="en-US"/>
           </a:p>
@@ -711,7 +712,7 @@
             <a:fld id="{1D8BD707-D9CF-40AE-B4C6-C98DA3205C09}" type="datetimeFigureOut">
               <a:rPr lang="en-US" smtClean="0"/>
               <a:pPr/>
-              <a:t>3/19/2017</a:t>
+              <a:t>3/20/2017</a:t>
             </a:fld>
             <a:endParaRPr lang="en-US"/>
           </a:p>
@@ -906,7 +907,7 @@
             <a:fld id="{1D8BD707-D9CF-40AE-B4C6-C98DA3205C09}" type="datetimeFigureOut">
               <a:rPr lang="en-US" smtClean="0"/>
               <a:pPr/>
-              <a:t>3/19/2017</a:t>
+              <a:t>3/20/2017</a:t>
             </a:fld>
             <a:endParaRPr lang="en-US"/>
           </a:p>
@@ -1034,7 +1035,7 @@
             <a:fld id="{1D8BD707-D9CF-40AE-B4C6-C98DA3205C09}" type="datetimeFigureOut">
               <a:rPr lang="en-US" smtClean="0"/>
               <a:pPr/>
-              <a:t>3/19/2017</a:t>
+              <a:t>3/20/2017</a:t>
             </a:fld>
             <a:endParaRPr lang="en-US"/>
           </a:p>
@@ -1425,7 +1426,7 @@
             <a:fld id="{1D8BD707-D9CF-40AE-B4C6-C98DA3205C09}" type="datetimeFigureOut">
               <a:rPr lang="en-US" smtClean="0"/>
               <a:pPr/>
-              <a:t>3/19/2017</a:t>
+              <a:t>3/20/2017</a:t>
             </a:fld>
             <a:endParaRPr lang="en-US"/>
           </a:p>
@@ -1872,7 +1873,7 @@
             <a:fld id="{1D8BD707-D9CF-40AE-B4C6-C98DA3205C09}" type="datetimeFigureOut">
               <a:rPr lang="en-US" smtClean="0"/>
               <a:pPr/>
-              <a:t>3/19/2017</a:t>
+              <a:t>3/20/2017</a:t>
             </a:fld>
             <a:endParaRPr lang="en-US"/>
           </a:p>
@@ -1999,7 +2000,7 @@
             <a:fld id="{1D8BD707-D9CF-40AE-B4C6-C98DA3205C09}" type="datetimeFigureOut">
               <a:rPr lang="en-US" smtClean="0"/>
               <a:pPr/>
-              <a:t>3/19/2017</a:t>
+              <a:t>3/20/2017</a:t>
             </a:fld>
             <a:endParaRPr lang="en-US"/>
           </a:p>
@@ -2098,7 +2099,7 @@
             <a:fld id="{1D8BD707-D9CF-40AE-B4C6-C98DA3205C09}" type="datetimeFigureOut">
               <a:rPr lang="en-US" smtClean="0"/>
               <a:pPr/>
-              <a:t>3/19/2017</a:t>
+              <a:t>3/20/2017</a:t>
             </a:fld>
             <a:endParaRPr lang="en-US"/>
           </a:p>
@@ -2391,7 +2392,7 @@
             <a:fld id="{1D8BD707-D9CF-40AE-B4C6-C98DA3205C09}" type="datetimeFigureOut">
               <a:rPr lang="en-US" smtClean="0"/>
               <a:pPr/>
-              <a:t>3/19/2017</a:t>
+              <a:t>3/20/2017</a:t>
             </a:fld>
             <a:endParaRPr lang="en-US"/>
           </a:p>
@@ -2662,7 +2663,7 @@
             <a:fld id="{1D8BD707-D9CF-40AE-B4C6-C98DA3205C09}" type="datetimeFigureOut">
               <a:rPr lang="en-US" smtClean="0"/>
               <a:pPr/>
-              <a:t>3/19/2017</a:t>
+              <a:t>3/20/2017</a:t>
             </a:fld>
             <a:endParaRPr lang="en-US"/>
           </a:p>
@@ -2947,7 +2948,7 @@
             <a:fld id="{1D8BD707-D9CF-40AE-B4C6-C98DA3205C09}" type="datetimeFigureOut">
               <a:rPr lang="en-US" smtClean="0"/>
               <a:pPr/>
-              <a:t>3/19/2017</a:t>
+              <a:t>3/20/2017</a:t>
             </a:fld>
             <a:endParaRPr lang="en-US"/>
           </a:p>
@@ -3502,8 +3503,8 @@
         </p:nvSpPr>
         <p:spPr>
           <a:xfrm>
-            <a:off x="571500" y="5897534"/>
-            <a:ext cx="7086600" cy="701731"/>
+            <a:off x="457200" y="5181600"/>
+            <a:ext cx="8458200" cy="1218795"/>
           </a:xfrm>
           <a:prstGeom prst="rect">
             <a:avLst/>
@@ -3717,6 +3718,36 @@
           </a:lstStyle>
           <a:p>
             <a:pPr marL="0" indent="0">
+              <a:buNone/>
+            </a:pPr>
+            <a:r>
+              <a:rPr lang="en-US" dirty="0" smtClean="0"/>
+              <a:t>GitHub source </a:t>
+            </a:r>
+            <a:r>
+              <a:rPr lang="en-US" dirty="0"/>
+              <a:t>code</a:t>
+            </a:r>
+            <a:r>
+              <a:rPr lang="en-US" dirty="0" smtClean="0"/>
+              <a:t>:  </a:t>
+            </a:r>
+          </a:p>
+          <a:p>
+            <a:pPr marL="0" indent="0">
+              <a:buNone/>
+            </a:pPr>
+            <a:r>
+              <a:rPr lang="en-US" sz="1400" dirty="0" smtClean="0"/>
+              <a:t>https</a:t>
+            </a:r>
+            <a:r>
+              <a:rPr lang="en-US" sz="1400" dirty="0"/>
+              <a:t>://github.com/radoslav-takev/WebBasicsTeamProject/tree/master/PichUni/Solution</a:t>
+            </a:r>
+          </a:p>
+          <a:p>
+            <a:pPr marL="0" indent="0">
               <a:buFont typeface="Wingdings" pitchFamily="2" charset="2"/>
               <a:buNone/>
             </a:pPr>
@@ -3731,10 +3762,10 @@
               <a:buNone/>
             </a:pPr>
             <a:r>
-              <a:rPr lang="en-US" dirty="0" smtClean="0"/>
+              <a:rPr lang="en-US" sz="1400" dirty="0" smtClean="0"/>
               <a:t>https://radoslav-takev.github.io/WebBasicsTeamProject/PichUni/Solution/</a:t>
             </a:r>
-            <a:endParaRPr lang="en-US" dirty="0"/>
+            <a:endParaRPr lang="en-US" sz="1400" dirty="0"/>
           </a:p>
         </p:txBody>
       </p:sp>
@@ -3814,6 +3845,13 @@
   <p:clrMapOvr>
     <a:masterClrMapping/>
   </p:clrMapOvr>
+  <p:timing>
+    <p:tnLst>
+      <p:par>
+        <p:cTn id="1" dur="indefinite" restart="never" nodeType="tmRoot"/>
+      </p:par>
+    </p:tnLst>
+  </p:timing>
 </p:sld>
 </file>
 
@@ -3873,6 +3911,13 @@
   <p:clrMapOvr>
     <a:masterClrMapping/>
   </p:clrMapOvr>
+  <p:timing>
+    <p:tnLst>
+      <p:par>
+        <p:cTn id="1" dur="indefinite" restart="never" nodeType="tmRoot"/>
+      </p:par>
+    </p:tnLst>
+  </p:timing>
 </p:sld>
 </file>
 
@@ -3932,6 +3977,13 @@
   <p:clrMapOvr>
     <a:masterClrMapping/>
   </p:clrMapOvr>
+  <p:timing>
+    <p:tnLst>
+      <p:par>
+        <p:cTn id="1" dur="indefinite" restart="never" nodeType="tmRoot"/>
+      </p:par>
+    </p:tnLst>
+  </p:timing>
 </p:sld>
 </file>
 
@@ -3976,8 +4028,8 @@
         </p:blipFill>
         <p:spPr>
           <a:xfrm>
-            <a:off x="14376" y="27316"/>
-            <a:ext cx="9129624" cy="6830684"/>
+            <a:off x="14375" y="0"/>
+            <a:ext cx="9166133" cy="6858000"/>
           </a:xfrm>
         </p:spPr>
       </p:pic>
@@ -4030,8 +4082,8 @@
         </p:nvSpPr>
         <p:spPr>
           <a:xfrm>
-            <a:off x="914400" y="6324600"/>
-            <a:ext cx="7086600" cy="369332"/>
+            <a:off x="914400" y="6158401"/>
+            <a:ext cx="7086600" cy="701731"/>
           </a:xfrm>
           <a:prstGeom prst="rect">
             <a:avLst/>
@@ -4049,8 +4101,18 @@
             </a:pPr>
             <a:r>
               <a:rPr lang="en-US" dirty="0"/>
+              <a:t>Website:</a:t>
+            </a:r>
+          </a:p>
+          <a:p>
+            <a:pPr marL="0" indent="0">
+              <a:buNone/>
+            </a:pPr>
+            <a:r>
+              <a:rPr lang="en-US" dirty="0"/>
               <a:t>https://radoslav-takev.github.io/WebBasicsTeamProject/PichUni/Solution/</a:t>
             </a:r>
+            <a:endParaRPr lang="en-US" dirty="0"/>
           </a:p>
         </p:txBody>
       </p:sp>
@@ -4255,6 +4317,186 @@
     <p:extLst>
       <p:ext uri="{BB962C8B-B14F-4D97-AF65-F5344CB8AC3E}">
         <p14:creationId xmlns:p14="http://schemas.microsoft.com/office/powerpoint/2010/main" val="1401275997"/>
+      </p:ext>
+    </p:extLst>
+  </p:cSld>
+  <p:clrMapOvr>
+    <a:masterClrMapping/>
+  </p:clrMapOvr>
+  <p:timing>
+    <p:tnLst>
+      <p:par>
+        <p:cTn id="1" dur="indefinite" restart="never" nodeType="tmRoot"/>
+      </p:par>
+    </p:tnLst>
+  </p:timing>
+</p:sld>
+</file>
+
+<file path=ppt/slides/slide7.xml><?xml version="1.0" encoding="utf-8"?>
+<p:sld xmlns:a="http://schemas.openxmlformats.org/drawingml/2006/main" xmlns:r="http://schemas.openxmlformats.org/officeDocument/2006/relationships" xmlns:p="http://schemas.openxmlformats.org/presentationml/2006/main">
+  <p:cSld>
+    <p:spTree>
+      <p:nvGrpSpPr>
+        <p:cNvPr id="1" name=""/>
+        <p:cNvGrpSpPr/>
+        <p:nvPr/>
+      </p:nvGrpSpPr>
+      <p:grpSpPr>
+        <a:xfrm>
+          <a:off x="0" y="0"/>
+          <a:ext cx="0" cy="0"/>
+          <a:chOff x="0" y="0"/>
+          <a:chExt cx="0" cy="0"/>
+        </a:xfrm>
+      </p:grpSpPr>
+      <p:sp>
+        <p:nvSpPr>
+          <p:cNvPr id="4" name="TextBox 3"/>
+          <p:cNvSpPr txBox="1"/>
+          <p:nvPr/>
+        </p:nvSpPr>
+        <p:spPr>
+          <a:xfrm>
+            <a:off x="3543300" y="304800"/>
+            <a:ext cx="1905000" cy="369332"/>
+          </a:xfrm>
+          <a:prstGeom prst="rect">
+            <a:avLst/>
+          </a:prstGeom>
+          <a:noFill/>
+        </p:spPr>
+        <p:txBody>
+          <a:bodyPr wrap="square" rtlCol="0">
+            <a:spAutoFit/>
+          </a:bodyPr>
+          <a:lstStyle/>
+          <a:p>
+            <a:pPr algn="ctr"/>
+            <a:r>
+              <a:rPr lang="en-US" dirty="0" smtClean="0"/>
+              <a:t>About the Project</a:t>
+            </a:r>
+            <a:endParaRPr lang="en-US" dirty="0"/>
+          </a:p>
+        </p:txBody>
+      </p:sp>
+      <p:sp>
+        <p:nvSpPr>
+          <p:cNvPr id="5" name="Title 4"/>
+          <p:cNvSpPr>
+            <a:spLocks noGrp="1"/>
+          </p:cNvSpPr>
+          <p:nvPr>
+            <p:ph type="title"/>
+          </p:nvPr>
+        </p:nvSpPr>
+        <p:spPr>
+          <a:xfrm>
+            <a:off x="381000" y="990600"/>
+            <a:ext cx="8229600" cy="2362200"/>
+          </a:xfrm>
+        </p:spPr>
+        <p:txBody>
+          <a:bodyPr/>
+          <a:lstStyle/>
+          <a:p>
+            <a:pPr algn="l"/>
+            <a:r>
+              <a:rPr lang="en-US" sz="1800" dirty="0" smtClean="0"/>
+              <a:t>1. Tools used - Html and CSS based in IntelliJ</a:t>
+            </a:r>
+            <a:r>
+              <a:rPr lang="en-US" dirty="0" smtClean="0"/>
+              <a:t/>
+            </a:r>
+            <a:br>
+              <a:rPr lang="en-US" dirty="0" smtClean="0"/>
+            </a:br>
+            <a:r>
+              <a:rPr lang="en-US" dirty="0" smtClean="0"/>
+              <a:t>	</a:t>
+            </a:r>
+            <a:r>
+              <a:rPr lang="en-US" sz="1400" dirty="0" smtClean="0"/>
+              <a:t>used one CSS file for the common styles to all pages and unique </a:t>
+            </a:r>
+            <a:r>
+              <a:rPr lang="en-US" sz="1400" dirty="0" err="1" smtClean="0"/>
+              <a:t>CSSfile</a:t>
+            </a:r>
+            <a:r>
+              <a:rPr lang="en-US" sz="1400" dirty="0" smtClean="0"/>
+              <a:t> for each page</a:t>
+            </a:r>
+            <a:r>
+              <a:rPr lang="en-US" dirty="0" smtClean="0"/>
+              <a:t/>
+            </a:r>
+            <a:br>
+              <a:rPr lang="en-US" dirty="0" smtClean="0"/>
+            </a:br>
+            <a:r>
+              <a:rPr lang="en-US" sz="1800" dirty="0" smtClean="0"/>
+              <a:t>2. Responsive Design</a:t>
+            </a:r>
+            <a:br>
+              <a:rPr lang="en-US" sz="1800" dirty="0" smtClean="0"/>
+            </a:br>
+            <a:r>
+              <a:rPr lang="en-US" sz="1800" dirty="0" smtClean="0"/>
+              <a:t/>
+            </a:r>
+            <a:br>
+              <a:rPr lang="en-US" sz="1800" dirty="0" smtClean="0"/>
+            </a:br>
+            <a:r>
+              <a:rPr lang="en-US" sz="1800" dirty="0" smtClean="0"/>
+              <a:t>3. Members (online students) – active participation from all</a:t>
+            </a:r>
+            <a:endParaRPr lang="en-US" sz="1800" dirty="0"/>
+          </a:p>
+        </p:txBody>
+      </p:sp>
+      <p:sp>
+        <p:nvSpPr>
+          <p:cNvPr id="6" name="Rectangle 5"/>
+          <p:cNvSpPr/>
+          <p:nvPr/>
+        </p:nvSpPr>
+        <p:spPr>
+          <a:xfrm>
+            <a:off x="370936" y="6096000"/>
+            <a:ext cx="8382000" cy="646331"/>
+          </a:xfrm>
+          <a:prstGeom prst="rect">
+            <a:avLst/>
+          </a:prstGeom>
+        </p:spPr>
+        <p:txBody>
+          <a:bodyPr wrap="square">
+            <a:spAutoFit/>
+          </a:bodyPr>
+          <a:lstStyle/>
+          <a:p>
+            <a:r>
+              <a:rPr lang="en-US" dirty="0"/>
+              <a:t>Website:</a:t>
+            </a:r>
+          </a:p>
+          <a:p>
+            <a:r>
+              <a:rPr lang="en-US" dirty="0"/>
+              <a:t>https://radoslav-takev.github.io/WebBasicsTeamProject/PichUni/Solution/</a:t>
+            </a:r>
+            <a:endParaRPr lang="en-US" dirty="0"/>
+          </a:p>
+        </p:txBody>
+      </p:sp>
+    </p:spTree>
+    <p:extLst>
+      <p:ext uri="{BB962C8B-B14F-4D97-AF65-F5344CB8AC3E}">
+        <p14:creationId xmlns:p14="http://schemas.microsoft.com/office/powerpoint/2010/main" val="3129874652"/>
       </p:ext>
     </p:extLst>
   </p:cSld>
